--- a/AWS/AWS-C02/AWS-Classes/EBS & EFS.pptx
+++ b/AWS/AWS-C02/AWS-Classes/EBS & EFS.pptx
@@ -111,6 +111,11 @@
       </a:defRPr>
     </a:lvl9pPr>
   </p:defaultTextStyle>
+  <p:extLst>
+    <p:ext uri="{EFAFB233-063F-42B5-8137-9DF3F51BA10A}">
+      <p15:sldGuideLst xmlns:p15="http://schemas.microsoft.com/office/powerpoint/2012/main"/>
+    </p:ext>
+  </p:extLst>
 </p:presentation>
 </file>
 
@@ -317,7 +322,7 @@
             <a:fld id="{B61BEF0D-F0BB-DE4B-95CE-6DB70DBA9567}" type="datetimeFigureOut">
               <a:rPr lang="en-US" dirty="0"/>
               <a:pPr/>
-              <a:t>4/8/2020</a:t>
+              <a:t>4/9/2020</a:t>
             </a:fld>
             <a:endParaRPr lang="en-US" dirty="0"/>
           </a:p>
@@ -605,7 +610,7 @@
             <a:fld id="{B61BEF0D-F0BB-DE4B-95CE-6DB70DBA9567}" type="datetimeFigureOut">
               <a:rPr lang="en-US" dirty="0"/>
               <a:pPr/>
-              <a:t>4/8/2020</a:t>
+              <a:t>4/9/2020</a:t>
             </a:fld>
             <a:endParaRPr lang="en-US" dirty="0"/>
           </a:p>
@@ -850,7 +855,7 @@
             <a:fld id="{B61BEF0D-F0BB-DE4B-95CE-6DB70DBA9567}" type="datetimeFigureOut">
               <a:rPr lang="en-US" dirty="0"/>
               <a:pPr/>
-              <a:t>4/8/2020</a:t>
+              <a:t>4/9/2020</a:t>
             </a:fld>
             <a:endParaRPr lang="en-US" dirty="0"/>
           </a:p>
@@ -1383,7 +1388,7 @@
             <a:fld id="{B61BEF0D-F0BB-DE4B-95CE-6DB70DBA9567}" type="datetimeFigureOut">
               <a:rPr lang="en-US" dirty="0"/>
               <a:pPr/>
-              <a:t>4/8/2020</a:t>
+              <a:t>4/9/2020</a:t>
             </a:fld>
             <a:endParaRPr lang="en-US" dirty="0"/>
           </a:p>
@@ -1628,7 +1633,7 @@
             <a:fld id="{B61BEF0D-F0BB-DE4B-95CE-6DB70DBA9567}" type="datetimeFigureOut">
               <a:rPr lang="en-US" dirty="0"/>
               <a:pPr/>
-              <a:t>4/8/2020</a:t>
+              <a:t>4/9/2020</a:t>
             </a:fld>
             <a:endParaRPr lang="en-US" dirty="0"/>
           </a:p>
@@ -2168,7 +2173,7 @@
             <a:fld id="{B61BEF0D-F0BB-DE4B-95CE-6DB70DBA9567}" type="datetimeFigureOut">
               <a:rPr lang="en-US" dirty="0"/>
               <a:pPr/>
-              <a:t>4/8/2020</a:t>
+              <a:t>4/9/2020</a:t>
             </a:fld>
             <a:endParaRPr lang="en-US" dirty="0"/>
           </a:p>
@@ -2475,7 +2480,7 @@
             <a:fld id="{B61BEF0D-F0BB-DE4B-95CE-6DB70DBA9567}" type="datetimeFigureOut">
               <a:rPr lang="en-US" dirty="0"/>
               <a:pPr/>
-              <a:t>4/8/2020</a:t>
+              <a:t>4/9/2020</a:t>
             </a:fld>
             <a:endParaRPr lang="en-US" dirty="0"/>
           </a:p>
@@ -2647,7 +2652,7 @@
             <a:fld id="{B61BEF0D-F0BB-DE4B-95CE-6DB70DBA9567}" type="datetimeFigureOut">
               <a:rPr lang="en-US" dirty="0"/>
               <a:pPr/>
-              <a:t>4/8/2020</a:t>
+              <a:t>4/9/2020</a:t>
             </a:fld>
             <a:endParaRPr lang="en-US" dirty="0"/>
           </a:p>
@@ -2824,7 +2829,7 @@
             <a:fld id="{B61BEF0D-F0BB-DE4B-95CE-6DB70DBA9567}" type="datetimeFigureOut">
               <a:rPr lang="en-US" dirty="0"/>
               <a:pPr/>
-              <a:t>4/8/2020</a:t>
+              <a:t>4/9/2020</a:t>
             </a:fld>
             <a:endParaRPr lang="en-US" dirty="0"/>
           </a:p>
@@ -2991,7 +2996,7 @@
             <a:fld id="{B61BEF0D-F0BB-DE4B-95CE-6DB70DBA9567}" type="datetimeFigureOut">
               <a:rPr lang="en-US" dirty="0"/>
               <a:pPr/>
-              <a:t>4/8/2020</a:t>
+              <a:t>4/9/2020</a:t>
             </a:fld>
             <a:endParaRPr lang="en-US" dirty="0"/>
           </a:p>
@@ -3234,7 +3239,7 @@
             <a:fld id="{B61BEF0D-F0BB-DE4B-95CE-6DB70DBA9567}" type="datetimeFigureOut">
               <a:rPr lang="en-US" dirty="0"/>
               <a:pPr/>
-              <a:t>4/8/2020</a:t>
+              <a:t>4/9/2020</a:t>
             </a:fld>
             <a:endParaRPr lang="en-US" dirty="0"/>
           </a:p>
@@ -3523,7 +3528,7 @@
             <a:fld id="{B61BEF0D-F0BB-DE4B-95CE-6DB70DBA9567}" type="datetimeFigureOut">
               <a:rPr lang="en-US" dirty="0"/>
               <a:pPr/>
-              <a:t>4/8/2020</a:t>
+              <a:t>4/9/2020</a:t>
             </a:fld>
             <a:endParaRPr lang="en-US" dirty="0"/>
           </a:p>
@@ -3950,7 +3955,7 @@
             <a:fld id="{B61BEF0D-F0BB-DE4B-95CE-6DB70DBA9567}" type="datetimeFigureOut">
               <a:rPr lang="en-US" dirty="0"/>
               <a:pPr/>
-              <a:t>4/8/2020</a:t>
+              <a:t>4/9/2020</a:t>
             </a:fld>
             <a:endParaRPr lang="en-US" dirty="0"/>
           </a:p>
@@ -4070,7 +4075,7 @@
             <a:fld id="{B61BEF0D-F0BB-DE4B-95CE-6DB70DBA9567}" type="datetimeFigureOut">
               <a:rPr lang="en-US" dirty="0"/>
               <a:pPr/>
-              <a:t>4/8/2020</a:t>
+              <a:t>4/9/2020</a:t>
             </a:fld>
             <a:endParaRPr lang="en-US" dirty="0"/>
           </a:p>
@@ -4162,7 +4167,7 @@
             <a:fld id="{B61BEF0D-F0BB-DE4B-95CE-6DB70DBA9567}" type="datetimeFigureOut">
               <a:rPr lang="en-US" dirty="0"/>
               <a:pPr/>
-              <a:t>4/8/2020</a:t>
+              <a:t>4/9/2020</a:t>
             </a:fld>
             <a:endParaRPr lang="en-US" dirty="0"/>
           </a:p>
@@ -4442,7 +4447,7 @@
             <a:fld id="{B61BEF0D-F0BB-DE4B-95CE-6DB70DBA9567}" type="datetimeFigureOut">
               <a:rPr lang="en-US" dirty="0"/>
               <a:pPr/>
-              <a:t>4/8/2020</a:t>
+              <a:t>4/9/2020</a:t>
             </a:fld>
             <a:endParaRPr lang="en-US" dirty="0"/>
           </a:p>
@@ -4730,7 +4735,7 @@
             <a:fld id="{B61BEF0D-F0BB-DE4B-95CE-6DB70DBA9567}" type="datetimeFigureOut">
               <a:rPr lang="en-US" dirty="0"/>
               <a:pPr/>
-              <a:t>4/8/2020</a:t>
+              <a:t>4/9/2020</a:t>
             </a:fld>
             <a:endParaRPr lang="en-US" dirty="0"/>
           </a:p>
@@ -4958,7 +4963,7 @@
             <a:fld id="{B61BEF0D-F0BB-DE4B-95CE-6DB70DBA9567}" type="datetimeFigureOut">
               <a:rPr lang="en-US" dirty="0"/>
               <a:pPr/>
-              <a:t>4/8/2020</a:t>
+              <a:t>4/9/2020</a:t>
             </a:fld>
             <a:endParaRPr lang="en-US" dirty="0"/>
           </a:p>
@@ -6484,7 +6489,7 @@
         <p:spPr>
           <a:xfrm>
             <a:off x="75520" y="750882"/>
-            <a:ext cx="1067481" cy="305770"/>
+            <a:ext cx="1117871" cy="320204"/>
           </a:xfrm>
           <a:prstGeom prst="rect">
             <a:avLst/>

--- a/AWS/AWS-C02/AWS-Classes/EBS & EFS.pptx
+++ b/AWS/AWS-C02/AWS-Classes/EBS & EFS.pptx
@@ -322,7 +322,7 @@
             <a:fld id="{B61BEF0D-F0BB-DE4B-95CE-6DB70DBA9567}" type="datetimeFigureOut">
               <a:rPr lang="en-US" dirty="0"/>
               <a:pPr/>
-              <a:t>4/9/2020</a:t>
+              <a:t>4/10/2020</a:t>
             </a:fld>
             <a:endParaRPr lang="en-US" dirty="0"/>
           </a:p>
@@ -610,7 +610,7 @@
             <a:fld id="{B61BEF0D-F0BB-DE4B-95CE-6DB70DBA9567}" type="datetimeFigureOut">
               <a:rPr lang="en-US" dirty="0"/>
               <a:pPr/>
-              <a:t>4/9/2020</a:t>
+              <a:t>4/10/2020</a:t>
             </a:fld>
             <a:endParaRPr lang="en-US" dirty="0"/>
           </a:p>
@@ -855,7 +855,7 @@
             <a:fld id="{B61BEF0D-F0BB-DE4B-95CE-6DB70DBA9567}" type="datetimeFigureOut">
               <a:rPr lang="en-US" dirty="0"/>
               <a:pPr/>
-              <a:t>4/9/2020</a:t>
+              <a:t>4/10/2020</a:t>
             </a:fld>
             <a:endParaRPr lang="en-US" dirty="0"/>
           </a:p>
@@ -1388,7 +1388,7 @@
             <a:fld id="{B61BEF0D-F0BB-DE4B-95CE-6DB70DBA9567}" type="datetimeFigureOut">
               <a:rPr lang="en-US" dirty="0"/>
               <a:pPr/>
-              <a:t>4/9/2020</a:t>
+              <a:t>4/10/2020</a:t>
             </a:fld>
             <a:endParaRPr lang="en-US" dirty="0"/>
           </a:p>
@@ -1633,7 +1633,7 @@
             <a:fld id="{B61BEF0D-F0BB-DE4B-95CE-6DB70DBA9567}" type="datetimeFigureOut">
               <a:rPr lang="en-US" dirty="0"/>
               <a:pPr/>
-              <a:t>4/9/2020</a:t>
+              <a:t>4/10/2020</a:t>
             </a:fld>
             <a:endParaRPr lang="en-US" dirty="0"/>
           </a:p>
@@ -2173,7 +2173,7 @@
             <a:fld id="{B61BEF0D-F0BB-DE4B-95CE-6DB70DBA9567}" type="datetimeFigureOut">
               <a:rPr lang="en-US" dirty="0"/>
               <a:pPr/>
-              <a:t>4/9/2020</a:t>
+              <a:t>4/10/2020</a:t>
             </a:fld>
             <a:endParaRPr lang="en-US" dirty="0"/>
           </a:p>
@@ -2480,7 +2480,7 @@
             <a:fld id="{B61BEF0D-F0BB-DE4B-95CE-6DB70DBA9567}" type="datetimeFigureOut">
               <a:rPr lang="en-US" dirty="0"/>
               <a:pPr/>
-              <a:t>4/9/2020</a:t>
+              <a:t>4/10/2020</a:t>
             </a:fld>
             <a:endParaRPr lang="en-US" dirty="0"/>
           </a:p>
@@ -2652,7 +2652,7 @@
             <a:fld id="{B61BEF0D-F0BB-DE4B-95CE-6DB70DBA9567}" type="datetimeFigureOut">
               <a:rPr lang="en-US" dirty="0"/>
               <a:pPr/>
-              <a:t>4/9/2020</a:t>
+              <a:t>4/10/2020</a:t>
             </a:fld>
             <a:endParaRPr lang="en-US" dirty="0"/>
           </a:p>
@@ -2829,7 +2829,7 @@
             <a:fld id="{B61BEF0D-F0BB-DE4B-95CE-6DB70DBA9567}" type="datetimeFigureOut">
               <a:rPr lang="en-US" dirty="0"/>
               <a:pPr/>
-              <a:t>4/9/2020</a:t>
+              <a:t>4/10/2020</a:t>
             </a:fld>
             <a:endParaRPr lang="en-US" dirty="0"/>
           </a:p>
@@ -2996,7 +2996,7 @@
             <a:fld id="{B61BEF0D-F0BB-DE4B-95CE-6DB70DBA9567}" type="datetimeFigureOut">
               <a:rPr lang="en-US" dirty="0"/>
               <a:pPr/>
-              <a:t>4/9/2020</a:t>
+              <a:t>4/10/2020</a:t>
             </a:fld>
             <a:endParaRPr lang="en-US" dirty="0"/>
           </a:p>
@@ -3239,7 +3239,7 @@
             <a:fld id="{B61BEF0D-F0BB-DE4B-95CE-6DB70DBA9567}" type="datetimeFigureOut">
               <a:rPr lang="en-US" dirty="0"/>
               <a:pPr/>
-              <a:t>4/9/2020</a:t>
+              <a:t>4/10/2020</a:t>
             </a:fld>
             <a:endParaRPr lang="en-US" dirty="0"/>
           </a:p>
@@ -3528,7 +3528,7 @@
             <a:fld id="{B61BEF0D-F0BB-DE4B-95CE-6DB70DBA9567}" type="datetimeFigureOut">
               <a:rPr lang="en-US" dirty="0"/>
               <a:pPr/>
-              <a:t>4/9/2020</a:t>
+              <a:t>4/10/2020</a:t>
             </a:fld>
             <a:endParaRPr lang="en-US" dirty="0"/>
           </a:p>
@@ -3955,7 +3955,7 @@
             <a:fld id="{B61BEF0D-F0BB-DE4B-95CE-6DB70DBA9567}" type="datetimeFigureOut">
               <a:rPr lang="en-US" dirty="0"/>
               <a:pPr/>
-              <a:t>4/9/2020</a:t>
+              <a:t>4/10/2020</a:t>
             </a:fld>
             <a:endParaRPr lang="en-US" dirty="0"/>
           </a:p>
@@ -4075,7 +4075,7 @@
             <a:fld id="{B61BEF0D-F0BB-DE4B-95CE-6DB70DBA9567}" type="datetimeFigureOut">
               <a:rPr lang="en-US" dirty="0"/>
               <a:pPr/>
-              <a:t>4/9/2020</a:t>
+              <a:t>4/10/2020</a:t>
             </a:fld>
             <a:endParaRPr lang="en-US" dirty="0"/>
           </a:p>
@@ -4167,7 +4167,7 @@
             <a:fld id="{B61BEF0D-F0BB-DE4B-95CE-6DB70DBA9567}" type="datetimeFigureOut">
               <a:rPr lang="en-US" dirty="0"/>
               <a:pPr/>
-              <a:t>4/9/2020</a:t>
+              <a:t>4/10/2020</a:t>
             </a:fld>
             <a:endParaRPr lang="en-US" dirty="0"/>
           </a:p>
@@ -4447,7 +4447,7 @@
             <a:fld id="{B61BEF0D-F0BB-DE4B-95CE-6DB70DBA9567}" type="datetimeFigureOut">
               <a:rPr lang="en-US" dirty="0"/>
               <a:pPr/>
-              <a:t>4/9/2020</a:t>
+              <a:t>4/10/2020</a:t>
             </a:fld>
             <a:endParaRPr lang="en-US" dirty="0"/>
           </a:p>
@@ -4735,7 +4735,7 @@
             <a:fld id="{B61BEF0D-F0BB-DE4B-95CE-6DB70DBA9567}" type="datetimeFigureOut">
               <a:rPr lang="en-US" dirty="0"/>
               <a:pPr/>
-              <a:t>4/9/2020</a:t>
+              <a:t>4/10/2020</a:t>
             </a:fld>
             <a:endParaRPr lang="en-US" dirty="0"/>
           </a:p>
@@ -4963,7 +4963,7 @@
             <a:fld id="{B61BEF0D-F0BB-DE4B-95CE-6DB70DBA9567}" type="datetimeFigureOut">
               <a:rPr lang="en-US" dirty="0"/>
               <a:pPr/>
-              <a:t>4/9/2020</a:t>
+              <a:t>4/10/2020</a:t>
             </a:fld>
             <a:endParaRPr lang="en-US" dirty="0"/>
           </a:p>
